--- a/Чат-Бот Погода.pptx
+++ b/Чат-Бот Погода.pptx
@@ -114,6 +114,11 @@
       </a:defRPr>
     </a:lvl9pPr>
   </p:defaultTextStyle>
+  <p:extLst>
+    <p:ext uri="{EFAFB233-063F-42B5-8137-9DF3F51BA10A}">
+      <p15:sldGuideLst xmlns:p15="http://schemas.microsoft.com/office/powerpoint/2012/main"/>
+    </p:ext>
+  </p:extLst>
 </p:presentation>
 </file>
 
@@ -7824,7 +7829,39 @@
                   </a:innerShdw>
                 </a:effectLst>
               </a:rPr>
-              <a:t>Рассмотрим положительный исход событий. Пользователю будет задано пару несложных вопросов, которые будут необходимы чат-боту для дальнейшей работы. Данные о пользователе будут записаны в базу данных.</a:t>
+              <a:t>Рассмотрим положительный исход событий. Пользователю </a:t>
+            </a:r>
+            <a:r>
+              <a:rPr lang="ru-RU" smtClean="0">
+                <a:ln w="0"/>
+                <a:solidFill>
+                  <a:schemeClr val="accent1"/>
+                </a:solidFill>
+                <a:effectLst>
+                  <a:innerShdw blurRad="63500" dist="50800" dir="18900000">
+                    <a:prstClr val="black">
+                      <a:alpha val="50000"/>
+                    </a:prstClr>
+                  </a:innerShdw>
+                </a:effectLst>
+              </a:rPr>
+              <a:t>будет предложено пару </a:t>
+            </a:r>
+            <a:r>
+              <a:rPr lang="ru-RU" dirty="0" smtClean="0">
+                <a:ln w="0"/>
+                <a:solidFill>
+                  <a:schemeClr val="accent1"/>
+                </a:solidFill>
+                <a:effectLst>
+                  <a:innerShdw blurRad="63500" dist="50800" dir="18900000">
+                    <a:prstClr val="black">
+                      <a:alpha val="50000"/>
+                    </a:prstClr>
+                  </a:innerShdw>
+                </a:effectLst>
+              </a:rPr>
+              <a:t>несложных вопросов, которые будут необходимы чат-боту для дальнейшей работы. Данные о пользователе будут записаны в базу данных.</a:t>
             </a:r>
           </a:p>
         </p:txBody>
